--- a/ProjectDemo/SSD Project Demo - Java Jamboree.pptx
+++ b/ProjectDemo/SSD Project Demo - Java Jamboree.pptx
@@ -8,13 +8,12 @@
     <p:sldId id="256" r:id="rId2"/>
     <p:sldId id="257" r:id="rId3"/>
     <p:sldId id="258" r:id="rId4"/>
-    <p:sldId id="259" r:id="rId5"/>
-    <p:sldId id="260" r:id="rId6"/>
-    <p:sldId id="261" r:id="rId7"/>
-    <p:sldId id="262" r:id="rId8"/>
-    <p:sldId id="263" r:id="rId9"/>
-    <p:sldId id="264" r:id="rId10"/>
-    <p:sldId id="265" r:id="rId11"/>
+    <p:sldId id="260" r:id="rId5"/>
+    <p:sldId id="261" r:id="rId6"/>
+    <p:sldId id="262" r:id="rId7"/>
+    <p:sldId id="263" r:id="rId8"/>
+    <p:sldId id="264" r:id="rId9"/>
+    <p:sldId id="265" r:id="rId10"/>
   </p:sldIdLst>
   <p:sldSz cx="12192000" cy="6858000"/>
   <p:notesSz cx="6858000" cy="9144000"/>
@@ -113,6 +112,11 @@
       </a:defRPr>
     </a:lvl9pPr>
   </p:defaultTextStyle>
+  <p:extLst>
+    <p:ext uri="{EFAFB233-063F-42B5-8137-9DF3F51BA10A}">
+      <p15:sldGuideLst xmlns:p15="http://schemas.microsoft.com/office/powerpoint/2012/main"/>
+    </p:ext>
+  </p:extLst>
 </p:presentation>
 </file>
 
@@ -263,7 +267,7 @@
           <a:p>
             <a:fld id="{8B6CCB8A-F66A-024C-8E66-E90218F201F2}" type="datetimeFigureOut">
               <a:rPr lang="en-US" smtClean="0"/>
-              <a:t>10/18/18</a:t>
+              <a:t>10/18/2018</a:t>
             </a:fld>
             <a:endParaRPr lang="en-US"/>
           </a:p>
@@ -461,7 +465,7 @@
           <a:p>
             <a:fld id="{8B6CCB8A-F66A-024C-8E66-E90218F201F2}" type="datetimeFigureOut">
               <a:rPr lang="en-US" smtClean="0"/>
-              <a:t>10/18/18</a:t>
+              <a:t>10/18/2018</a:t>
             </a:fld>
             <a:endParaRPr lang="en-US"/>
           </a:p>
@@ -669,7 +673,7 @@
           <a:p>
             <a:fld id="{8B6CCB8A-F66A-024C-8E66-E90218F201F2}" type="datetimeFigureOut">
               <a:rPr lang="en-US" smtClean="0"/>
-              <a:t>10/18/18</a:t>
+              <a:t>10/18/2018</a:t>
             </a:fld>
             <a:endParaRPr lang="en-US"/>
           </a:p>
@@ -867,7 +871,7 @@
           <a:p>
             <a:fld id="{8B6CCB8A-F66A-024C-8E66-E90218F201F2}" type="datetimeFigureOut">
               <a:rPr lang="en-US" smtClean="0"/>
-              <a:t>10/18/18</a:t>
+              <a:t>10/18/2018</a:t>
             </a:fld>
             <a:endParaRPr lang="en-US"/>
           </a:p>
@@ -1142,7 +1146,7 @@
           <a:p>
             <a:fld id="{8B6CCB8A-F66A-024C-8E66-E90218F201F2}" type="datetimeFigureOut">
               <a:rPr lang="en-US" smtClean="0"/>
-              <a:t>10/18/18</a:t>
+              <a:t>10/18/2018</a:t>
             </a:fld>
             <a:endParaRPr lang="en-US"/>
           </a:p>
@@ -1407,7 +1411,7 @@
           <a:p>
             <a:fld id="{8B6CCB8A-F66A-024C-8E66-E90218F201F2}" type="datetimeFigureOut">
               <a:rPr lang="en-US" smtClean="0"/>
-              <a:t>10/18/18</a:t>
+              <a:t>10/18/2018</a:t>
             </a:fld>
             <a:endParaRPr lang="en-US"/>
           </a:p>
@@ -1819,7 +1823,7 @@
           <a:p>
             <a:fld id="{8B6CCB8A-F66A-024C-8E66-E90218F201F2}" type="datetimeFigureOut">
               <a:rPr lang="en-US" smtClean="0"/>
-              <a:t>10/18/18</a:t>
+              <a:t>10/18/2018</a:t>
             </a:fld>
             <a:endParaRPr lang="en-US"/>
           </a:p>
@@ -1960,7 +1964,7 @@
           <a:p>
             <a:fld id="{8B6CCB8A-F66A-024C-8E66-E90218F201F2}" type="datetimeFigureOut">
               <a:rPr lang="en-US" smtClean="0"/>
-              <a:t>10/18/18</a:t>
+              <a:t>10/18/2018</a:t>
             </a:fld>
             <a:endParaRPr lang="en-US"/>
           </a:p>
@@ -2073,7 +2077,7 @@
           <a:p>
             <a:fld id="{8B6CCB8A-F66A-024C-8E66-E90218F201F2}" type="datetimeFigureOut">
               <a:rPr lang="en-US" smtClean="0"/>
-              <a:t>10/18/18</a:t>
+              <a:t>10/18/2018</a:t>
             </a:fld>
             <a:endParaRPr lang="en-US"/>
           </a:p>
@@ -2384,7 +2388,7 @@
           <a:p>
             <a:fld id="{8B6CCB8A-F66A-024C-8E66-E90218F201F2}" type="datetimeFigureOut">
               <a:rPr lang="en-US" smtClean="0"/>
-              <a:t>10/18/18</a:t>
+              <a:t>10/18/2018</a:t>
             </a:fld>
             <a:endParaRPr lang="en-US"/>
           </a:p>
@@ -2672,7 +2676,7 @@
           <a:p>
             <a:fld id="{8B6CCB8A-F66A-024C-8E66-E90218F201F2}" type="datetimeFigureOut">
               <a:rPr lang="en-US" smtClean="0"/>
-              <a:t>10/18/18</a:t>
+              <a:t>10/18/2018</a:t>
             </a:fld>
             <a:endParaRPr lang="en-US"/>
           </a:p>
@@ -2913,7 +2917,7 @@
           <a:p>
             <a:fld id="{8B6CCB8A-F66A-024C-8E66-E90218F201F2}" type="datetimeFigureOut">
               <a:rPr lang="en-US" smtClean="0"/>
-              <a:t>10/18/18</a:t>
+              <a:t>10/18/2018</a:t>
             </a:fld>
             <a:endParaRPr lang="en-US"/>
           </a:p>
@@ -3399,7 +3403,787 @@
 </p:sld>
 </file>
 
-<file path=ppt/slides/slide10.xml><?xml version="1.0" encoding="utf-8"?>
+<file path=ppt/slides/slide2.xml><?xml version="1.0" encoding="utf-8"?>
+<p:sld xmlns:a="http://schemas.openxmlformats.org/drawingml/2006/main" xmlns:r="http://schemas.openxmlformats.org/officeDocument/2006/relationships" xmlns:p="http://schemas.openxmlformats.org/presentationml/2006/main">
+  <p:cSld>
+    <p:spTree>
+      <p:nvGrpSpPr>
+        <p:cNvPr id="1" name=""/>
+        <p:cNvGrpSpPr/>
+        <p:nvPr/>
+      </p:nvGrpSpPr>
+      <p:grpSpPr>
+        <a:xfrm>
+          <a:off x="0" y="0"/>
+          <a:ext cx="0" cy="0"/>
+          <a:chOff x="0" y="0"/>
+          <a:chExt cx="0" cy="0"/>
+        </a:xfrm>
+      </p:grpSpPr>
+      <p:sp>
+        <p:nvSpPr>
+          <p:cNvPr id="2" name="Title 1">
+            <a:extLst>
+              <a:ext uri="{FF2B5EF4-FFF2-40B4-BE49-F238E27FC236}">
+                <a16:creationId xmlns:a16="http://schemas.microsoft.com/office/drawing/2014/main" id="{D8790B24-99B6-0A45-9DCB-12C4C6BD1B71}"/>
+              </a:ext>
+            </a:extLst>
+          </p:cNvPr>
+          <p:cNvSpPr>
+            <a:spLocks noGrp="1"/>
+          </p:cNvSpPr>
+          <p:nvPr>
+            <p:ph type="title"/>
+          </p:nvPr>
+        </p:nvSpPr>
+        <p:spPr/>
+        <p:txBody>
+          <a:bodyPr/>
+          <a:lstStyle/>
+          <a:p>
+            <a:r>
+              <a:rPr lang="en-US" dirty="0"/>
+              <a:t>Purpose</a:t>
+            </a:r>
+          </a:p>
+        </p:txBody>
+      </p:sp>
+      <p:sp>
+        <p:nvSpPr>
+          <p:cNvPr id="3" name="Content Placeholder 2">
+            <a:extLst>
+              <a:ext uri="{FF2B5EF4-FFF2-40B4-BE49-F238E27FC236}">
+                <a16:creationId xmlns:a16="http://schemas.microsoft.com/office/drawing/2014/main" id="{1B89DD43-E11E-A94F-897E-9B446DBDB3CA}"/>
+              </a:ext>
+            </a:extLst>
+          </p:cNvPr>
+          <p:cNvSpPr>
+            <a:spLocks noGrp="1"/>
+          </p:cNvSpPr>
+          <p:nvPr>
+            <p:ph idx="1"/>
+          </p:nvPr>
+        </p:nvSpPr>
+        <p:spPr/>
+        <p:txBody>
+          <a:bodyPr>
+            <a:normAutofit fontScale="92500" lnSpcReduction="20000"/>
+          </a:bodyPr>
+          <a:lstStyle/>
+          <a:p>
+            <a:r>
+              <a:rPr lang="en-IN" sz="4400" dirty="0"/>
+              <a:t>The purpose of this standalone application is to help you move towards a goal (career, educational, personal, or otherwise) in order to keep you from stagnating and becoming a boring lump. It helps you prioritize important activities while avoiding unimportant time-wasting activities.</a:t>
+            </a:r>
+            <a:endParaRPr lang="en-IN" sz="4400" b="0" dirty="0">
+              <a:effectLst/>
+            </a:endParaRPr>
+          </a:p>
+          <a:p>
+            <a:pPr marL="0" indent="0">
+              <a:buNone/>
+            </a:pPr>
+            <a:br>
+              <a:rPr lang="en-IN" dirty="0"/>
+            </a:br>
+            <a:endParaRPr lang="en-US" dirty="0"/>
+          </a:p>
+        </p:txBody>
+      </p:sp>
+    </p:spTree>
+    <p:extLst>
+      <p:ext uri="{BB962C8B-B14F-4D97-AF65-F5344CB8AC3E}">
+        <p14:creationId xmlns:p14="http://schemas.microsoft.com/office/powerpoint/2010/main" val="2836925611"/>
+      </p:ext>
+    </p:extLst>
+  </p:cSld>
+  <p:clrMapOvr>
+    <a:masterClrMapping/>
+  </p:clrMapOvr>
+</p:sld>
+</file>
+
+<file path=ppt/slides/slide3.xml><?xml version="1.0" encoding="utf-8"?>
+<p:sld xmlns:a="http://schemas.openxmlformats.org/drawingml/2006/main" xmlns:r="http://schemas.openxmlformats.org/officeDocument/2006/relationships" xmlns:p="http://schemas.openxmlformats.org/presentationml/2006/main">
+  <p:cSld>
+    <p:spTree>
+      <p:nvGrpSpPr>
+        <p:cNvPr id="1" name=""/>
+        <p:cNvGrpSpPr/>
+        <p:nvPr/>
+      </p:nvGrpSpPr>
+      <p:grpSpPr>
+        <a:xfrm>
+          <a:off x="0" y="0"/>
+          <a:ext cx="0" cy="0"/>
+          <a:chOff x="0" y="0"/>
+          <a:chExt cx="0" cy="0"/>
+        </a:xfrm>
+      </p:grpSpPr>
+      <p:sp>
+        <p:nvSpPr>
+          <p:cNvPr id="2" name="Title 1">
+            <a:extLst>
+              <a:ext uri="{FF2B5EF4-FFF2-40B4-BE49-F238E27FC236}">
+                <a16:creationId xmlns:a16="http://schemas.microsoft.com/office/drawing/2014/main" id="{95DF569E-9931-844B-BFCA-F6C6CAF32486}"/>
+              </a:ext>
+            </a:extLst>
+          </p:cNvPr>
+          <p:cNvSpPr>
+            <a:spLocks noGrp="1"/>
+          </p:cNvSpPr>
+          <p:nvPr>
+            <p:ph type="title"/>
+          </p:nvPr>
+        </p:nvSpPr>
+        <p:spPr/>
+        <p:txBody>
+          <a:bodyPr/>
+          <a:lstStyle/>
+          <a:p>
+            <a:r>
+              <a:rPr lang="en-US" dirty="0"/>
+              <a:t>Important points</a:t>
+            </a:r>
+          </a:p>
+        </p:txBody>
+      </p:sp>
+      <p:sp>
+        <p:nvSpPr>
+          <p:cNvPr id="3" name="Content Placeholder 2">
+            <a:extLst>
+              <a:ext uri="{FF2B5EF4-FFF2-40B4-BE49-F238E27FC236}">
+                <a16:creationId xmlns:a16="http://schemas.microsoft.com/office/drawing/2014/main" id="{0218D1C2-7D29-AD49-AB2E-2C302137A343}"/>
+              </a:ext>
+            </a:extLst>
+          </p:cNvPr>
+          <p:cNvSpPr>
+            <a:spLocks noGrp="1"/>
+          </p:cNvSpPr>
+          <p:nvPr>
+            <p:ph idx="1"/>
+          </p:nvPr>
+        </p:nvSpPr>
+        <p:spPr/>
+        <p:txBody>
+          <a:bodyPr>
+            <a:normAutofit/>
+          </a:bodyPr>
+          <a:lstStyle/>
+          <a:p>
+            <a:pPr>
+              <a:buFontTx/>
+              <a:buChar char="-"/>
+            </a:pPr>
+            <a:r>
+              <a:rPr lang="en-IN" dirty="0"/>
+              <a:t>Make a goal and use Goal Manager app to fulfil it</a:t>
+            </a:r>
+          </a:p>
+          <a:p>
+            <a:pPr>
+              <a:buFontTx/>
+              <a:buChar char="-"/>
+            </a:pPr>
+            <a:r>
+              <a:rPr lang="en-IN" dirty="0"/>
+              <a:t>Created tasks have an </a:t>
+            </a:r>
+            <a:r>
+              <a:rPr lang="en-IN" i="1" dirty="0"/>
+              <a:t>importance</a:t>
+            </a:r>
+            <a:r>
+              <a:rPr lang="en-IN" dirty="0"/>
+              <a:t> and </a:t>
+            </a:r>
+            <a:r>
+              <a:rPr lang="en-IN" i="1" dirty="0"/>
+              <a:t>urgency</a:t>
+            </a:r>
+            <a:r>
+              <a:rPr lang="en-IN" dirty="0"/>
+              <a:t> factor, which is used to measure priority</a:t>
+            </a:r>
+          </a:p>
+          <a:p>
+            <a:pPr>
+              <a:buFontTx/>
+              <a:buChar char="-"/>
+            </a:pPr>
+            <a:r>
+              <a:rPr lang="en-IN" dirty="0"/>
+              <a:t>Each day’s tasks are displayed in descending order according to their priority</a:t>
+            </a:r>
+          </a:p>
+          <a:p>
+            <a:pPr>
+              <a:buFontTx/>
+              <a:buChar char="-"/>
+            </a:pPr>
+            <a:r>
+              <a:rPr lang="en-IN" dirty="0"/>
+              <a:t>Tasks of different priority are displayed in different </a:t>
+            </a:r>
+            <a:r>
+              <a:rPr lang="en-IN" dirty="0" err="1"/>
+              <a:t>colors</a:t>
+            </a:r>
+            <a:r>
+              <a:rPr lang="en-IN" dirty="0"/>
+              <a:t> (red, orange, yellow, white)</a:t>
+            </a:r>
+          </a:p>
+          <a:p>
+            <a:pPr>
+              <a:buFontTx/>
+              <a:buChar char="-"/>
+            </a:pPr>
+            <a:r>
+              <a:rPr lang="en-IN" dirty="0"/>
+              <a:t>Once created, tasks may be edited or deleted</a:t>
+            </a:r>
+            <a:br>
+              <a:rPr lang="en-IN" dirty="0"/>
+            </a:br>
+            <a:endParaRPr lang="en-US" dirty="0"/>
+          </a:p>
+        </p:txBody>
+      </p:sp>
+    </p:spTree>
+    <p:extLst>
+      <p:ext uri="{BB962C8B-B14F-4D97-AF65-F5344CB8AC3E}">
+        <p14:creationId xmlns:p14="http://schemas.microsoft.com/office/powerpoint/2010/main" val="3734094724"/>
+      </p:ext>
+    </p:extLst>
+  </p:cSld>
+  <p:clrMapOvr>
+    <a:masterClrMapping/>
+  </p:clrMapOvr>
+</p:sld>
+</file>
+
+<file path=ppt/slides/slide4.xml><?xml version="1.0" encoding="utf-8"?>
+<p:sld xmlns:a="http://schemas.openxmlformats.org/drawingml/2006/main" xmlns:r="http://schemas.openxmlformats.org/officeDocument/2006/relationships" xmlns:p="http://schemas.openxmlformats.org/presentationml/2006/main">
+  <p:cSld>
+    <p:spTree>
+      <p:nvGrpSpPr>
+        <p:cNvPr id="1" name=""/>
+        <p:cNvGrpSpPr/>
+        <p:nvPr/>
+      </p:nvGrpSpPr>
+      <p:grpSpPr>
+        <a:xfrm>
+          <a:off x="0" y="0"/>
+          <a:ext cx="0" cy="0"/>
+          <a:chOff x="0" y="0"/>
+          <a:chExt cx="0" cy="0"/>
+        </a:xfrm>
+      </p:grpSpPr>
+      <p:sp>
+        <p:nvSpPr>
+          <p:cNvPr id="2" name="Title 1">
+            <a:extLst>
+              <a:ext uri="{FF2B5EF4-FFF2-40B4-BE49-F238E27FC236}">
+                <a16:creationId xmlns:a16="http://schemas.microsoft.com/office/drawing/2014/main" id="{34F1260F-0B70-2141-85E9-3229890B0EE5}"/>
+              </a:ext>
+            </a:extLst>
+          </p:cNvPr>
+          <p:cNvSpPr>
+            <a:spLocks noGrp="1"/>
+          </p:cNvSpPr>
+          <p:nvPr>
+            <p:ph type="title"/>
+          </p:nvPr>
+        </p:nvSpPr>
+        <p:spPr>
+          <a:xfrm>
+            <a:off x="838200" y="365126"/>
+            <a:ext cx="10515600" cy="877888"/>
+          </a:xfrm>
+        </p:spPr>
+        <p:txBody>
+          <a:bodyPr/>
+          <a:lstStyle/>
+          <a:p>
+            <a:r>
+              <a:rPr lang="en-US" dirty="0"/>
+              <a:t>Screen mockups – Month view</a:t>
+            </a:r>
+          </a:p>
+        </p:txBody>
+      </p:sp>
+      <p:pic>
+        <p:nvPicPr>
+          <p:cNvPr id="2050" name="Picture 2" descr="https://lh3.googleusercontent.com/h6OEFn8gnbWoSPNLL2tMBviPpSelxuDLa6ueXy8S4QgMVRsO4HDSgrkERSXYWwwOfsbjAMbNhItlqEccWWd-DX2elguuuZUL4M05aIdWF1SuXzgFydeo0khscGmy_rvSi8ctRmYP">
+            <a:extLst>
+              <a:ext uri="{FF2B5EF4-FFF2-40B4-BE49-F238E27FC236}">
+                <a16:creationId xmlns:a16="http://schemas.microsoft.com/office/drawing/2014/main" id="{C0EBA8FE-5CB2-7745-8AD7-82806C696483}"/>
+              </a:ext>
+            </a:extLst>
+          </p:cNvPr>
+          <p:cNvPicPr>
+            <a:picLocks noGrp="1" noChangeAspect="1" noChangeArrowheads="1"/>
+          </p:cNvPicPr>
+          <p:nvPr>
+            <p:ph idx="1"/>
+          </p:nvPr>
+        </p:nvPicPr>
+        <p:blipFill>
+          <a:blip r:embed="rId2">
+            <a:extLst>
+              <a:ext uri="{28A0092B-C50C-407E-A947-70E740481C1C}">
+                <a14:useLocalDpi xmlns:a14="http://schemas.microsoft.com/office/drawing/2010/main" val="0"/>
+              </a:ext>
+            </a:extLst>
+          </a:blip>
+          <a:srcRect/>
+          <a:stretch>
+            <a:fillRect/>
+          </a:stretch>
+        </p:blipFill>
+        <p:spPr bwMode="auto">
+          <a:xfrm>
+            <a:off x="471488" y="1243014"/>
+            <a:ext cx="10729912" cy="4933949"/>
+          </a:xfrm>
+          <a:prstGeom prst="rect">
+            <a:avLst/>
+          </a:prstGeom>
+          <a:noFill/>
+          <a:extLst>
+            <a:ext uri="{909E8E84-426E-40DD-AFC4-6F175D3DCCD1}">
+              <a14:hiddenFill xmlns:a14="http://schemas.microsoft.com/office/drawing/2010/main">
+                <a:solidFill>
+                  <a:srgbClr val="FFFFFF"/>
+                </a:solidFill>
+              </a14:hiddenFill>
+            </a:ext>
+          </a:extLst>
+        </p:spPr>
+      </p:pic>
+    </p:spTree>
+    <p:extLst>
+      <p:ext uri="{BB962C8B-B14F-4D97-AF65-F5344CB8AC3E}">
+        <p14:creationId xmlns:p14="http://schemas.microsoft.com/office/powerpoint/2010/main" val="1203216085"/>
+      </p:ext>
+    </p:extLst>
+  </p:cSld>
+  <p:clrMapOvr>
+    <a:masterClrMapping/>
+  </p:clrMapOvr>
+</p:sld>
+</file>
+
+<file path=ppt/slides/slide5.xml><?xml version="1.0" encoding="utf-8"?>
+<p:sld xmlns:a="http://schemas.openxmlformats.org/drawingml/2006/main" xmlns:r="http://schemas.openxmlformats.org/officeDocument/2006/relationships" xmlns:p="http://schemas.openxmlformats.org/presentationml/2006/main">
+  <p:cSld>
+    <p:spTree>
+      <p:nvGrpSpPr>
+        <p:cNvPr id="1" name=""/>
+        <p:cNvGrpSpPr/>
+        <p:nvPr/>
+      </p:nvGrpSpPr>
+      <p:grpSpPr>
+        <a:xfrm>
+          <a:off x="0" y="0"/>
+          <a:ext cx="0" cy="0"/>
+          <a:chOff x="0" y="0"/>
+          <a:chExt cx="0" cy="0"/>
+        </a:xfrm>
+      </p:grpSpPr>
+      <p:sp>
+        <p:nvSpPr>
+          <p:cNvPr id="2" name="Title 1">
+            <a:extLst>
+              <a:ext uri="{FF2B5EF4-FFF2-40B4-BE49-F238E27FC236}">
+                <a16:creationId xmlns:a16="http://schemas.microsoft.com/office/drawing/2014/main" id="{1F5BB459-0D5E-2946-8405-CAB2416926B4}"/>
+              </a:ext>
+            </a:extLst>
+          </p:cNvPr>
+          <p:cNvSpPr>
+            <a:spLocks noGrp="1"/>
+          </p:cNvSpPr>
+          <p:nvPr>
+            <p:ph type="title"/>
+          </p:nvPr>
+        </p:nvSpPr>
+        <p:spPr>
+          <a:xfrm>
+            <a:off x="838200" y="365126"/>
+            <a:ext cx="10515600" cy="749300"/>
+          </a:xfrm>
+        </p:spPr>
+        <p:txBody>
+          <a:bodyPr/>
+          <a:lstStyle/>
+          <a:p>
+            <a:r>
+              <a:rPr lang="en-US" dirty="0"/>
+              <a:t>Screen mockups – Week view</a:t>
+            </a:r>
+          </a:p>
+        </p:txBody>
+      </p:sp>
+      <p:pic>
+        <p:nvPicPr>
+          <p:cNvPr id="3074" name="Picture 2" descr="https://lh3.googleusercontent.com/cTK_Ifsr-q4WXJkzuf47cA9fksRLApdUulfZj1Ea3eozNfLMqO-3A6HZIp-3fodspausI1t_xRwrcEUO3cLi09bZfKzlFe72uNrKOZTNP5lx5WvbLWAeInqEil21yfksBOF8sBte">
+            <a:extLst>
+              <a:ext uri="{FF2B5EF4-FFF2-40B4-BE49-F238E27FC236}">
+                <a16:creationId xmlns:a16="http://schemas.microsoft.com/office/drawing/2014/main" id="{2497A1D4-C660-B847-9488-CA9570CC4F17}"/>
+              </a:ext>
+            </a:extLst>
+          </p:cNvPr>
+          <p:cNvPicPr>
+            <a:picLocks noGrp="1" noChangeAspect="1" noChangeArrowheads="1"/>
+          </p:cNvPicPr>
+          <p:nvPr>
+            <p:ph idx="1"/>
+          </p:nvPr>
+        </p:nvPicPr>
+        <p:blipFill>
+          <a:blip r:embed="rId2">
+            <a:extLst>
+              <a:ext uri="{28A0092B-C50C-407E-A947-70E740481C1C}">
+                <a14:useLocalDpi xmlns:a14="http://schemas.microsoft.com/office/drawing/2010/main" val="0"/>
+              </a:ext>
+            </a:extLst>
+          </a:blip>
+          <a:srcRect/>
+          <a:stretch>
+            <a:fillRect/>
+          </a:stretch>
+        </p:blipFill>
+        <p:spPr bwMode="auto">
+          <a:xfrm>
+            <a:off x="838199" y="1314450"/>
+            <a:ext cx="10515599" cy="4862513"/>
+          </a:xfrm>
+          <a:prstGeom prst="rect">
+            <a:avLst/>
+          </a:prstGeom>
+          <a:noFill/>
+          <a:extLst>
+            <a:ext uri="{909E8E84-426E-40DD-AFC4-6F175D3DCCD1}">
+              <a14:hiddenFill xmlns:a14="http://schemas.microsoft.com/office/drawing/2010/main">
+                <a:solidFill>
+                  <a:srgbClr val="FFFFFF"/>
+                </a:solidFill>
+              </a14:hiddenFill>
+            </a:ext>
+          </a:extLst>
+        </p:spPr>
+      </p:pic>
+    </p:spTree>
+    <p:extLst>
+      <p:ext uri="{BB962C8B-B14F-4D97-AF65-F5344CB8AC3E}">
+        <p14:creationId xmlns:p14="http://schemas.microsoft.com/office/powerpoint/2010/main" val="4060556333"/>
+      </p:ext>
+    </p:extLst>
+  </p:cSld>
+  <p:clrMapOvr>
+    <a:masterClrMapping/>
+  </p:clrMapOvr>
+</p:sld>
+</file>
+
+<file path=ppt/slides/slide6.xml><?xml version="1.0" encoding="utf-8"?>
+<p:sld xmlns:a="http://schemas.openxmlformats.org/drawingml/2006/main" xmlns:r="http://schemas.openxmlformats.org/officeDocument/2006/relationships" xmlns:p="http://schemas.openxmlformats.org/presentationml/2006/main">
+  <p:cSld>
+    <p:spTree>
+      <p:nvGrpSpPr>
+        <p:cNvPr id="1" name=""/>
+        <p:cNvGrpSpPr/>
+        <p:nvPr/>
+      </p:nvGrpSpPr>
+      <p:grpSpPr>
+        <a:xfrm>
+          <a:off x="0" y="0"/>
+          <a:ext cx="0" cy="0"/>
+          <a:chOff x="0" y="0"/>
+          <a:chExt cx="0" cy="0"/>
+        </a:xfrm>
+      </p:grpSpPr>
+      <p:sp>
+        <p:nvSpPr>
+          <p:cNvPr id="2" name="Title 1">
+            <a:extLst>
+              <a:ext uri="{FF2B5EF4-FFF2-40B4-BE49-F238E27FC236}">
+                <a16:creationId xmlns:a16="http://schemas.microsoft.com/office/drawing/2014/main" id="{A5DD0F3D-F309-364F-99F0-794C9A8AA4E5}"/>
+              </a:ext>
+            </a:extLst>
+          </p:cNvPr>
+          <p:cNvSpPr>
+            <a:spLocks noGrp="1"/>
+          </p:cNvSpPr>
+          <p:nvPr>
+            <p:ph type="title"/>
+          </p:nvPr>
+        </p:nvSpPr>
+        <p:spPr>
+          <a:xfrm>
+            <a:off x="838200" y="365125"/>
+            <a:ext cx="10515600" cy="892175"/>
+          </a:xfrm>
+        </p:spPr>
+        <p:txBody>
+          <a:bodyPr/>
+          <a:lstStyle/>
+          <a:p>
+            <a:r>
+              <a:rPr lang="en-US" dirty="0"/>
+              <a:t>Screen mockups – Task view</a:t>
+            </a:r>
+          </a:p>
+        </p:txBody>
+      </p:sp>
+      <p:pic>
+        <p:nvPicPr>
+          <p:cNvPr id="4098" name="Picture 2" descr="https://lh3.googleusercontent.com/Q-ultYczFVOH7nzJy-aKqottCRhSsiFsAEyvOSz6aJCbzjJOlQjsydpjceNg3vTFnHQ6IeRWAXq91Rb0LPOq2e_6R-w29PJbAUCMzY9695dtu8P6cbbehlLyxmAQwoHaxL842pI3">
+            <a:extLst>
+              <a:ext uri="{FF2B5EF4-FFF2-40B4-BE49-F238E27FC236}">
+                <a16:creationId xmlns:a16="http://schemas.microsoft.com/office/drawing/2014/main" id="{A5B2A19E-F318-124D-B517-FF664DB5DDE2}"/>
+              </a:ext>
+            </a:extLst>
+          </p:cNvPr>
+          <p:cNvPicPr>
+            <a:picLocks noGrp="1" noChangeAspect="1" noChangeArrowheads="1"/>
+          </p:cNvPicPr>
+          <p:nvPr>
+            <p:ph idx="1"/>
+          </p:nvPr>
+        </p:nvPicPr>
+        <p:blipFill>
+          <a:blip r:embed="rId2">
+            <a:extLst>
+              <a:ext uri="{28A0092B-C50C-407E-A947-70E740481C1C}">
+                <a14:useLocalDpi xmlns:a14="http://schemas.microsoft.com/office/drawing/2010/main" val="0"/>
+              </a:ext>
+            </a:extLst>
+          </a:blip>
+          <a:srcRect/>
+          <a:stretch>
+            <a:fillRect/>
+          </a:stretch>
+        </p:blipFill>
+        <p:spPr bwMode="auto">
+          <a:xfrm rot="16200000">
+            <a:off x="3350420" y="-1907382"/>
+            <a:ext cx="5343524" cy="11672887"/>
+          </a:xfrm>
+          <a:prstGeom prst="rect">
+            <a:avLst/>
+          </a:prstGeom>
+          <a:noFill/>
+          <a:extLst>
+            <a:ext uri="{909E8E84-426E-40DD-AFC4-6F175D3DCCD1}">
+              <a14:hiddenFill xmlns:a14="http://schemas.microsoft.com/office/drawing/2010/main">
+                <a:solidFill>
+                  <a:srgbClr val="FFFFFF"/>
+                </a:solidFill>
+              </a14:hiddenFill>
+            </a:ext>
+          </a:extLst>
+        </p:spPr>
+      </p:pic>
+    </p:spTree>
+    <p:extLst>
+      <p:ext uri="{BB962C8B-B14F-4D97-AF65-F5344CB8AC3E}">
+        <p14:creationId xmlns:p14="http://schemas.microsoft.com/office/powerpoint/2010/main" val="1648495643"/>
+      </p:ext>
+    </p:extLst>
+  </p:cSld>
+  <p:clrMapOvr>
+    <a:masterClrMapping/>
+  </p:clrMapOvr>
+</p:sld>
+</file>
+
+<file path=ppt/slides/slide7.xml><?xml version="1.0" encoding="utf-8"?>
+<p:sld xmlns:a="http://schemas.openxmlformats.org/drawingml/2006/main" xmlns:r="http://schemas.openxmlformats.org/officeDocument/2006/relationships" xmlns:p="http://schemas.openxmlformats.org/presentationml/2006/main">
+  <p:cSld>
+    <p:spTree>
+      <p:nvGrpSpPr>
+        <p:cNvPr id="1" name=""/>
+        <p:cNvGrpSpPr/>
+        <p:nvPr/>
+      </p:nvGrpSpPr>
+      <p:grpSpPr>
+        <a:xfrm>
+          <a:off x="0" y="0"/>
+          <a:ext cx="0" cy="0"/>
+          <a:chOff x="0" y="0"/>
+          <a:chExt cx="0" cy="0"/>
+        </a:xfrm>
+      </p:grpSpPr>
+      <p:sp>
+        <p:nvSpPr>
+          <p:cNvPr id="2" name="Title 1">
+            <a:extLst>
+              <a:ext uri="{FF2B5EF4-FFF2-40B4-BE49-F238E27FC236}">
+                <a16:creationId xmlns:a16="http://schemas.microsoft.com/office/drawing/2014/main" id="{31294DF9-30D3-3D4C-86F1-965ED4913D85}"/>
+              </a:ext>
+            </a:extLst>
+          </p:cNvPr>
+          <p:cNvSpPr>
+            <a:spLocks noGrp="1"/>
+          </p:cNvSpPr>
+          <p:nvPr>
+            <p:ph type="title"/>
+          </p:nvPr>
+        </p:nvSpPr>
+        <p:spPr>
+          <a:xfrm>
+            <a:off x="838200" y="365125"/>
+            <a:ext cx="10515600" cy="1020763"/>
+          </a:xfrm>
+        </p:spPr>
+        <p:txBody>
+          <a:bodyPr/>
+          <a:lstStyle/>
+          <a:p>
+            <a:r>
+              <a:rPr lang="en-US" dirty="0"/>
+              <a:t>Implemented functionality – Month view</a:t>
+            </a:r>
+          </a:p>
+        </p:txBody>
+      </p:sp>
+      <p:pic>
+        <p:nvPicPr>
+          <p:cNvPr id="5" name="Content Placeholder 4">
+            <a:extLst>
+              <a:ext uri="{FF2B5EF4-FFF2-40B4-BE49-F238E27FC236}">
+                <a16:creationId xmlns:a16="http://schemas.microsoft.com/office/drawing/2014/main" id="{AB98E74C-B977-F64E-8D6C-BB9C30C8D8CC}"/>
+              </a:ext>
+            </a:extLst>
+          </p:cNvPr>
+          <p:cNvPicPr>
+            <a:picLocks noGrp="1" noChangeAspect="1"/>
+          </p:cNvPicPr>
+          <p:nvPr>
+            <p:ph idx="1"/>
+          </p:nvPr>
+        </p:nvPicPr>
+        <p:blipFill>
+          <a:blip r:embed="rId2"/>
+          <a:stretch>
+            <a:fillRect/>
+          </a:stretch>
+        </p:blipFill>
+        <p:spPr>
+          <a:xfrm>
+            <a:off x="838200" y="1385888"/>
+            <a:ext cx="10206037" cy="4791075"/>
+          </a:xfrm>
+        </p:spPr>
+      </p:pic>
+    </p:spTree>
+    <p:extLst>
+      <p:ext uri="{BB962C8B-B14F-4D97-AF65-F5344CB8AC3E}">
+        <p14:creationId xmlns:p14="http://schemas.microsoft.com/office/powerpoint/2010/main" val="3855269034"/>
+      </p:ext>
+    </p:extLst>
+  </p:cSld>
+  <p:clrMapOvr>
+    <a:masterClrMapping/>
+  </p:clrMapOvr>
+</p:sld>
+</file>
+
+<file path=ppt/slides/slide8.xml><?xml version="1.0" encoding="utf-8"?>
+<p:sld xmlns:a="http://schemas.openxmlformats.org/drawingml/2006/main" xmlns:r="http://schemas.openxmlformats.org/officeDocument/2006/relationships" xmlns:p="http://schemas.openxmlformats.org/presentationml/2006/main">
+  <p:cSld>
+    <p:spTree>
+      <p:nvGrpSpPr>
+        <p:cNvPr id="1" name=""/>
+        <p:cNvGrpSpPr/>
+        <p:nvPr/>
+      </p:nvGrpSpPr>
+      <p:grpSpPr>
+        <a:xfrm>
+          <a:off x="0" y="0"/>
+          <a:ext cx="0" cy="0"/>
+          <a:chOff x="0" y="0"/>
+          <a:chExt cx="0" cy="0"/>
+        </a:xfrm>
+      </p:grpSpPr>
+      <p:sp>
+        <p:nvSpPr>
+          <p:cNvPr id="2" name="Title 1">
+            <a:extLst>
+              <a:ext uri="{FF2B5EF4-FFF2-40B4-BE49-F238E27FC236}">
+                <a16:creationId xmlns:a16="http://schemas.microsoft.com/office/drawing/2014/main" id="{8F87BA0C-EFEB-9F4D-AF2C-5461E49970E6}"/>
+              </a:ext>
+            </a:extLst>
+          </p:cNvPr>
+          <p:cNvSpPr>
+            <a:spLocks noGrp="1"/>
+          </p:cNvSpPr>
+          <p:nvPr>
+            <p:ph type="title"/>
+          </p:nvPr>
+        </p:nvSpPr>
+        <p:spPr>
+          <a:xfrm>
+            <a:off x="838200" y="365125"/>
+            <a:ext cx="10515600" cy="906463"/>
+          </a:xfrm>
+        </p:spPr>
+        <p:txBody>
+          <a:bodyPr/>
+          <a:lstStyle/>
+          <a:p>
+            <a:r>
+              <a:rPr lang="en-US" dirty="0"/>
+              <a:t>Implemented functionality – Task view</a:t>
+            </a:r>
+          </a:p>
+        </p:txBody>
+      </p:sp>
+      <p:pic>
+        <p:nvPicPr>
+          <p:cNvPr id="5" name="Content Placeholder 4">
+            <a:extLst>
+              <a:ext uri="{FF2B5EF4-FFF2-40B4-BE49-F238E27FC236}">
+                <a16:creationId xmlns:a16="http://schemas.microsoft.com/office/drawing/2014/main" id="{73C16B40-52CF-4849-A657-74C3154A68B8}"/>
+              </a:ext>
+            </a:extLst>
+          </p:cNvPr>
+          <p:cNvPicPr>
+            <a:picLocks noGrp="1" noChangeAspect="1"/>
+          </p:cNvPicPr>
+          <p:nvPr>
+            <p:ph idx="1"/>
+          </p:nvPr>
+        </p:nvPicPr>
+        <p:blipFill>
+          <a:blip r:embed="rId2"/>
+          <a:stretch>
+            <a:fillRect/>
+          </a:stretch>
+        </p:blipFill>
+        <p:spPr>
+          <a:xfrm>
+            <a:off x="1285875" y="1157288"/>
+            <a:ext cx="9172575" cy="5019675"/>
+          </a:xfrm>
+        </p:spPr>
+      </p:pic>
+    </p:spTree>
+    <p:extLst>
+      <p:ext uri="{BB962C8B-B14F-4D97-AF65-F5344CB8AC3E}">
+        <p14:creationId xmlns:p14="http://schemas.microsoft.com/office/powerpoint/2010/main" val="597313932"/>
+      </p:ext>
+    </p:extLst>
+  </p:cSld>
+  <p:clrMapOvr>
+    <a:masterClrMapping/>
+  </p:clrMapOvr>
+</p:sld>
+</file>
+
+<file path=ppt/slides/slide9.xml><?xml version="1.0" encoding="utf-8"?>
 <p:sld xmlns:a="http://schemas.openxmlformats.org/drawingml/2006/main" xmlns:r="http://schemas.openxmlformats.org/officeDocument/2006/relationships" xmlns:p="http://schemas.openxmlformats.org/presentationml/2006/main">
   <p:cSld>
     <p:bg>
@@ -3601,896 +4385,6 @@
     <p:extLst>
       <p:ext uri="{BB962C8B-B14F-4D97-AF65-F5344CB8AC3E}">
         <p14:creationId xmlns:p14="http://schemas.microsoft.com/office/powerpoint/2010/main" val="389499535"/>
-      </p:ext>
-    </p:extLst>
-  </p:cSld>
-  <p:clrMapOvr>
-    <a:masterClrMapping/>
-  </p:clrMapOvr>
-</p:sld>
-</file>
-
-<file path=ppt/slides/slide2.xml><?xml version="1.0" encoding="utf-8"?>
-<p:sld xmlns:a="http://schemas.openxmlformats.org/drawingml/2006/main" xmlns:r="http://schemas.openxmlformats.org/officeDocument/2006/relationships" xmlns:p="http://schemas.openxmlformats.org/presentationml/2006/main">
-  <p:cSld>
-    <p:spTree>
-      <p:nvGrpSpPr>
-        <p:cNvPr id="1" name=""/>
-        <p:cNvGrpSpPr/>
-        <p:nvPr/>
-      </p:nvGrpSpPr>
-      <p:grpSpPr>
-        <a:xfrm>
-          <a:off x="0" y="0"/>
-          <a:ext cx="0" cy="0"/>
-          <a:chOff x="0" y="0"/>
-          <a:chExt cx="0" cy="0"/>
-        </a:xfrm>
-      </p:grpSpPr>
-      <p:sp>
-        <p:nvSpPr>
-          <p:cNvPr id="2" name="Title 1">
-            <a:extLst>
-              <a:ext uri="{FF2B5EF4-FFF2-40B4-BE49-F238E27FC236}">
-                <a16:creationId xmlns:a16="http://schemas.microsoft.com/office/drawing/2014/main" id="{D8790B24-99B6-0A45-9DCB-12C4C6BD1B71}"/>
-              </a:ext>
-            </a:extLst>
-          </p:cNvPr>
-          <p:cNvSpPr>
-            <a:spLocks noGrp="1"/>
-          </p:cNvSpPr>
-          <p:nvPr>
-            <p:ph type="title"/>
-          </p:nvPr>
-        </p:nvSpPr>
-        <p:spPr/>
-        <p:txBody>
-          <a:bodyPr/>
-          <a:lstStyle/>
-          <a:p>
-            <a:r>
-              <a:rPr lang="en-US" dirty="0"/>
-              <a:t>Purpose</a:t>
-            </a:r>
-          </a:p>
-        </p:txBody>
-      </p:sp>
-      <p:sp>
-        <p:nvSpPr>
-          <p:cNvPr id="3" name="Content Placeholder 2">
-            <a:extLst>
-              <a:ext uri="{FF2B5EF4-FFF2-40B4-BE49-F238E27FC236}">
-                <a16:creationId xmlns:a16="http://schemas.microsoft.com/office/drawing/2014/main" id="{1B89DD43-E11E-A94F-897E-9B446DBDB3CA}"/>
-              </a:ext>
-            </a:extLst>
-          </p:cNvPr>
-          <p:cNvSpPr>
-            <a:spLocks noGrp="1"/>
-          </p:cNvSpPr>
-          <p:nvPr>
-            <p:ph idx="1"/>
-          </p:nvPr>
-        </p:nvSpPr>
-        <p:spPr/>
-        <p:txBody>
-          <a:bodyPr>
-            <a:normAutofit fontScale="92500" lnSpcReduction="20000"/>
-          </a:bodyPr>
-          <a:lstStyle/>
-          <a:p>
-            <a:r>
-              <a:rPr lang="en-IN" sz="4400" dirty="0"/>
-              <a:t>The purpose of this standalone application is to help you move towards a goal (career, educational, personal, or otherwise) in order to keep you from stagnating and becoming a boring lump. It helps you prioritize important activities while avoiding unimportant time-wasting activities.</a:t>
-            </a:r>
-            <a:endParaRPr lang="en-IN" sz="4400" b="0" dirty="0">
-              <a:effectLst/>
-            </a:endParaRPr>
-          </a:p>
-          <a:p>
-            <a:pPr marL="0" indent="0">
-              <a:buNone/>
-            </a:pPr>
-            <a:br>
-              <a:rPr lang="en-IN" dirty="0"/>
-            </a:br>
-            <a:endParaRPr lang="en-US" dirty="0"/>
-          </a:p>
-        </p:txBody>
-      </p:sp>
-    </p:spTree>
-    <p:extLst>
-      <p:ext uri="{BB962C8B-B14F-4D97-AF65-F5344CB8AC3E}">
-        <p14:creationId xmlns:p14="http://schemas.microsoft.com/office/powerpoint/2010/main" val="2836925611"/>
-      </p:ext>
-    </p:extLst>
-  </p:cSld>
-  <p:clrMapOvr>
-    <a:masterClrMapping/>
-  </p:clrMapOvr>
-</p:sld>
-</file>
-
-<file path=ppt/slides/slide3.xml><?xml version="1.0" encoding="utf-8"?>
-<p:sld xmlns:a="http://schemas.openxmlformats.org/drawingml/2006/main" xmlns:r="http://schemas.openxmlformats.org/officeDocument/2006/relationships" xmlns:p="http://schemas.openxmlformats.org/presentationml/2006/main">
-  <p:cSld>
-    <p:spTree>
-      <p:nvGrpSpPr>
-        <p:cNvPr id="1" name=""/>
-        <p:cNvGrpSpPr/>
-        <p:nvPr/>
-      </p:nvGrpSpPr>
-      <p:grpSpPr>
-        <a:xfrm>
-          <a:off x="0" y="0"/>
-          <a:ext cx="0" cy="0"/>
-          <a:chOff x="0" y="0"/>
-          <a:chExt cx="0" cy="0"/>
-        </a:xfrm>
-      </p:grpSpPr>
-      <p:sp>
-        <p:nvSpPr>
-          <p:cNvPr id="2" name="Title 1">
-            <a:extLst>
-              <a:ext uri="{FF2B5EF4-FFF2-40B4-BE49-F238E27FC236}">
-                <a16:creationId xmlns:a16="http://schemas.microsoft.com/office/drawing/2014/main" id="{95DF569E-9931-844B-BFCA-F6C6CAF32486}"/>
-              </a:ext>
-            </a:extLst>
-          </p:cNvPr>
-          <p:cNvSpPr>
-            <a:spLocks noGrp="1"/>
-          </p:cNvSpPr>
-          <p:nvPr>
-            <p:ph type="title"/>
-          </p:nvPr>
-        </p:nvSpPr>
-        <p:spPr/>
-        <p:txBody>
-          <a:bodyPr/>
-          <a:lstStyle/>
-          <a:p>
-            <a:r>
-              <a:rPr lang="en-US" dirty="0"/>
-              <a:t>Important user stories</a:t>
-            </a:r>
-          </a:p>
-        </p:txBody>
-      </p:sp>
-      <p:sp>
-        <p:nvSpPr>
-          <p:cNvPr id="3" name="Content Placeholder 2">
-            <a:extLst>
-              <a:ext uri="{FF2B5EF4-FFF2-40B4-BE49-F238E27FC236}">
-                <a16:creationId xmlns:a16="http://schemas.microsoft.com/office/drawing/2014/main" id="{0218D1C2-7D29-AD49-AB2E-2C302137A343}"/>
-              </a:ext>
-            </a:extLst>
-          </p:cNvPr>
-          <p:cNvSpPr>
-            <a:spLocks noGrp="1"/>
-          </p:cNvSpPr>
-          <p:nvPr>
-            <p:ph idx="1"/>
-          </p:nvPr>
-        </p:nvSpPr>
-        <p:spPr/>
-        <p:txBody>
-          <a:bodyPr>
-            <a:normAutofit/>
-          </a:bodyPr>
-          <a:lstStyle/>
-          <a:p>
-            <a:pPr marL="0" indent="0">
-              <a:buNone/>
-            </a:pPr>
-            <a:r>
-              <a:rPr lang="en-IN" dirty="0"/>
-              <a:t>1) As a person with short term and long term goals</a:t>
-            </a:r>
-            <a:endParaRPr lang="en-IN" b="0" dirty="0">
-              <a:effectLst/>
-            </a:endParaRPr>
-          </a:p>
-          <a:p>
-            <a:pPr marL="0" indent="0">
-              <a:buNone/>
-            </a:pPr>
-            <a:r>
-              <a:rPr lang="en-IN" dirty="0"/>
-              <a:t>In order to manage and achieve both goals without compromising one for other</a:t>
-            </a:r>
-            <a:endParaRPr lang="en-IN" b="0" dirty="0">
-              <a:effectLst/>
-            </a:endParaRPr>
-          </a:p>
-          <a:p>
-            <a:pPr marL="0" indent="0">
-              <a:buNone/>
-            </a:pPr>
-            <a:r>
-              <a:rPr lang="en-IN" dirty="0"/>
-              <a:t>I want to keep track of To-do list, time to time.</a:t>
-            </a:r>
-          </a:p>
-          <a:p>
-            <a:pPr marL="0" indent="0">
-              <a:buNone/>
-            </a:pPr>
-            <a:endParaRPr lang="en-IN" dirty="0"/>
-          </a:p>
-          <a:p>
-            <a:pPr marL="0" indent="0">
-              <a:buNone/>
-            </a:pPr>
-            <a:r>
-              <a:rPr lang="en-IN" dirty="0"/>
-              <a:t>2) As a person with multiple tasks</a:t>
-            </a:r>
-            <a:endParaRPr lang="en-IN" b="0" dirty="0">
-              <a:effectLst/>
-            </a:endParaRPr>
-          </a:p>
-          <a:p>
-            <a:pPr marL="0" indent="0">
-              <a:buNone/>
-            </a:pPr>
-            <a:r>
-              <a:rPr lang="en-IN" dirty="0"/>
-              <a:t>In order to view all my tasks in a larger time-frame</a:t>
-            </a:r>
-            <a:endParaRPr lang="en-IN" b="0" dirty="0">
-              <a:effectLst/>
-            </a:endParaRPr>
-          </a:p>
-          <a:p>
-            <a:pPr marL="0" indent="0">
-              <a:buNone/>
-            </a:pPr>
-            <a:r>
-              <a:rPr lang="en-IN" dirty="0"/>
-              <a:t>I want to view my tasks in a month or week view.</a:t>
-            </a:r>
-            <a:br>
-              <a:rPr lang="en-IN" dirty="0"/>
-            </a:br>
-            <a:endParaRPr lang="en-US" dirty="0"/>
-          </a:p>
-        </p:txBody>
-      </p:sp>
-    </p:spTree>
-    <p:extLst>
-      <p:ext uri="{BB962C8B-B14F-4D97-AF65-F5344CB8AC3E}">
-        <p14:creationId xmlns:p14="http://schemas.microsoft.com/office/powerpoint/2010/main" val="3734094724"/>
-      </p:ext>
-    </p:extLst>
-  </p:cSld>
-  <p:clrMapOvr>
-    <a:masterClrMapping/>
-  </p:clrMapOvr>
-</p:sld>
-</file>
-
-<file path=ppt/slides/slide4.xml><?xml version="1.0" encoding="utf-8"?>
-<p:sld xmlns:a="http://schemas.openxmlformats.org/drawingml/2006/main" xmlns:r="http://schemas.openxmlformats.org/officeDocument/2006/relationships" xmlns:p="http://schemas.openxmlformats.org/presentationml/2006/main">
-  <p:cSld>
-    <p:spTree>
-      <p:nvGrpSpPr>
-        <p:cNvPr id="1" name=""/>
-        <p:cNvGrpSpPr/>
-        <p:nvPr/>
-      </p:nvGrpSpPr>
-      <p:grpSpPr>
-        <a:xfrm>
-          <a:off x="0" y="0"/>
-          <a:ext cx="0" cy="0"/>
-          <a:chOff x="0" y="0"/>
-          <a:chExt cx="0" cy="0"/>
-        </a:xfrm>
-      </p:grpSpPr>
-      <p:sp>
-        <p:nvSpPr>
-          <p:cNvPr id="2" name="Title 1">
-            <a:extLst>
-              <a:ext uri="{FF2B5EF4-FFF2-40B4-BE49-F238E27FC236}">
-                <a16:creationId xmlns:a16="http://schemas.microsoft.com/office/drawing/2014/main" id="{B113FD6C-ACF5-E84C-AE98-8BADDD5D95BA}"/>
-              </a:ext>
-            </a:extLst>
-          </p:cNvPr>
-          <p:cNvSpPr>
-            <a:spLocks noGrp="1"/>
-          </p:cNvSpPr>
-          <p:nvPr>
-            <p:ph type="title"/>
-          </p:nvPr>
-        </p:nvSpPr>
-        <p:spPr>
-          <a:xfrm>
-            <a:off x="838200" y="365126"/>
-            <a:ext cx="10515600" cy="963612"/>
-          </a:xfrm>
-        </p:spPr>
-        <p:txBody>
-          <a:bodyPr/>
-          <a:lstStyle/>
-          <a:p>
-            <a:r>
-              <a:rPr lang="en-US" dirty="0"/>
-              <a:t>Screen mockups – Main view</a:t>
-            </a:r>
-          </a:p>
-        </p:txBody>
-      </p:sp>
-      <p:pic>
-        <p:nvPicPr>
-          <p:cNvPr id="1026" name="Picture 2" descr="https://lh6.googleusercontent.com/8uK49boFCZeNTEd148KH9a93MJDRPYy_vNRzoeTPcryBF5DDAcQsV9YGfEbpqCdHiHAM_Bnh399sklIybM6nKalfLvAw_ysRA3T5M7fklnizIcV89EOpPnN2-uZLdsso84o3SOwC">
-            <a:extLst>
-              <a:ext uri="{FF2B5EF4-FFF2-40B4-BE49-F238E27FC236}">
-                <a16:creationId xmlns:a16="http://schemas.microsoft.com/office/drawing/2014/main" id="{34BCCF23-C4A6-C44E-88B5-0615DD021838}"/>
-              </a:ext>
-            </a:extLst>
-          </p:cNvPr>
-          <p:cNvPicPr>
-            <a:picLocks noGrp="1" noChangeAspect="1" noChangeArrowheads="1"/>
-          </p:cNvPicPr>
-          <p:nvPr>
-            <p:ph idx="1"/>
-          </p:nvPr>
-        </p:nvPicPr>
-        <p:blipFill>
-          <a:blip r:embed="rId2">
-            <a:extLst>
-              <a:ext uri="{28A0092B-C50C-407E-A947-70E740481C1C}">
-                <a14:useLocalDpi xmlns:a14="http://schemas.microsoft.com/office/drawing/2010/main" val="0"/>
-              </a:ext>
-            </a:extLst>
-          </a:blip>
-          <a:srcRect/>
-          <a:stretch>
-            <a:fillRect/>
-          </a:stretch>
-        </p:blipFill>
-        <p:spPr bwMode="auto">
-          <a:xfrm rot="16200000">
-            <a:off x="3652837" y="-1357314"/>
-            <a:ext cx="4886325" cy="10258428"/>
-          </a:xfrm>
-          <a:prstGeom prst="rect">
-            <a:avLst/>
-          </a:prstGeom>
-          <a:noFill/>
-          <a:extLst>
-            <a:ext uri="{909E8E84-426E-40DD-AFC4-6F175D3DCCD1}">
-              <a14:hiddenFill xmlns:a14="http://schemas.microsoft.com/office/drawing/2010/main">
-                <a:solidFill>
-                  <a:srgbClr val="FFFFFF"/>
-                </a:solidFill>
-              </a14:hiddenFill>
-            </a:ext>
-          </a:extLst>
-        </p:spPr>
-      </p:pic>
-    </p:spTree>
-    <p:extLst>
-      <p:ext uri="{BB962C8B-B14F-4D97-AF65-F5344CB8AC3E}">
-        <p14:creationId xmlns:p14="http://schemas.microsoft.com/office/powerpoint/2010/main" val="1437018897"/>
-      </p:ext>
-    </p:extLst>
-  </p:cSld>
-  <p:clrMapOvr>
-    <a:masterClrMapping/>
-  </p:clrMapOvr>
-</p:sld>
-</file>
-
-<file path=ppt/slides/slide5.xml><?xml version="1.0" encoding="utf-8"?>
-<p:sld xmlns:a="http://schemas.openxmlformats.org/drawingml/2006/main" xmlns:r="http://schemas.openxmlformats.org/officeDocument/2006/relationships" xmlns:p="http://schemas.openxmlformats.org/presentationml/2006/main">
-  <p:cSld>
-    <p:spTree>
-      <p:nvGrpSpPr>
-        <p:cNvPr id="1" name=""/>
-        <p:cNvGrpSpPr/>
-        <p:nvPr/>
-      </p:nvGrpSpPr>
-      <p:grpSpPr>
-        <a:xfrm>
-          <a:off x="0" y="0"/>
-          <a:ext cx="0" cy="0"/>
-          <a:chOff x="0" y="0"/>
-          <a:chExt cx="0" cy="0"/>
-        </a:xfrm>
-      </p:grpSpPr>
-      <p:sp>
-        <p:nvSpPr>
-          <p:cNvPr id="2" name="Title 1">
-            <a:extLst>
-              <a:ext uri="{FF2B5EF4-FFF2-40B4-BE49-F238E27FC236}">
-                <a16:creationId xmlns:a16="http://schemas.microsoft.com/office/drawing/2014/main" id="{34F1260F-0B70-2141-85E9-3229890B0EE5}"/>
-              </a:ext>
-            </a:extLst>
-          </p:cNvPr>
-          <p:cNvSpPr>
-            <a:spLocks noGrp="1"/>
-          </p:cNvSpPr>
-          <p:nvPr>
-            <p:ph type="title"/>
-          </p:nvPr>
-        </p:nvSpPr>
-        <p:spPr>
-          <a:xfrm>
-            <a:off x="838200" y="365126"/>
-            <a:ext cx="10515600" cy="877888"/>
-          </a:xfrm>
-        </p:spPr>
-        <p:txBody>
-          <a:bodyPr/>
-          <a:lstStyle/>
-          <a:p>
-            <a:r>
-              <a:rPr lang="en-US" dirty="0"/>
-              <a:t>Screen mockups – Month view</a:t>
-            </a:r>
-          </a:p>
-        </p:txBody>
-      </p:sp>
-      <p:pic>
-        <p:nvPicPr>
-          <p:cNvPr id="2050" name="Picture 2" descr="https://lh3.googleusercontent.com/h6OEFn8gnbWoSPNLL2tMBviPpSelxuDLa6ueXy8S4QgMVRsO4HDSgrkERSXYWwwOfsbjAMbNhItlqEccWWd-DX2elguuuZUL4M05aIdWF1SuXzgFydeo0khscGmy_rvSi8ctRmYP">
-            <a:extLst>
-              <a:ext uri="{FF2B5EF4-FFF2-40B4-BE49-F238E27FC236}">
-                <a16:creationId xmlns:a16="http://schemas.microsoft.com/office/drawing/2014/main" id="{C0EBA8FE-5CB2-7745-8AD7-82806C696483}"/>
-              </a:ext>
-            </a:extLst>
-          </p:cNvPr>
-          <p:cNvPicPr>
-            <a:picLocks noGrp="1" noChangeAspect="1" noChangeArrowheads="1"/>
-          </p:cNvPicPr>
-          <p:nvPr>
-            <p:ph idx="1"/>
-          </p:nvPr>
-        </p:nvPicPr>
-        <p:blipFill>
-          <a:blip r:embed="rId2">
-            <a:extLst>
-              <a:ext uri="{28A0092B-C50C-407E-A947-70E740481C1C}">
-                <a14:useLocalDpi xmlns:a14="http://schemas.microsoft.com/office/drawing/2010/main" val="0"/>
-              </a:ext>
-            </a:extLst>
-          </a:blip>
-          <a:srcRect/>
-          <a:stretch>
-            <a:fillRect/>
-          </a:stretch>
-        </p:blipFill>
-        <p:spPr bwMode="auto">
-          <a:xfrm>
-            <a:off x="471488" y="1243014"/>
-            <a:ext cx="10729912" cy="4933949"/>
-          </a:xfrm>
-          <a:prstGeom prst="rect">
-            <a:avLst/>
-          </a:prstGeom>
-          <a:noFill/>
-          <a:extLst>
-            <a:ext uri="{909E8E84-426E-40DD-AFC4-6F175D3DCCD1}">
-              <a14:hiddenFill xmlns:a14="http://schemas.microsoft.com/office/drawing/2010/main">
-                <a:solidFill>
-                  <a:srgbClr val="FFFFFF"/>
-                </a:solidFill>
-              </a14:hiddenFill>
-            </a:ext>
-          </a:extLst>
-        </p:spPr>
-      </p:pic>
-    </p:spTree>
-    <p:extLst>
-      <p:ext uri="{BB962C8B-B14F-4D97-AF65-F5344CB8AC3E}">
-        <p14:creationId xmlns:p14="http://schemas.microsoft.com/office/powerpoint/2010/main" val="1203216085"/>
-      </p:ext>
-    </p:extLst>
-  </p:cSld>
-  <p:clrMapOvr>
-    <a:masterClrMapping/>
-  </p:clrMapOvr>
-</p:sld>
-</file>
-
-<file path=ppt/slides/slide6.xml><?xml version="1.0" encoding="utf-8"?>
-<p:sld xmlns:a="http://schemas.openxmlformats.org/drawingml/2006/main" xmlns:r="http://schemas.openxmlformats.org/officeDocument/2006/relationships" xmlns:p="http://schemas.openxmlformats.org/presentationml/2006/main">
-  <p:cSld>
-    <p:spTree>
-      <p:nvGrpSpPr>
-        <p:cNvPr id="1" name=""/>
-        <p:cNvGrpSpPr/>
-        <p:nvPr/>
-      </p:nvGrpSpPr>
-      <p:grpSpPr>
-        <a:xfrm>
-          <a:off x="0" y="0"/>
-          <a:ext cx="0" cy="0"/>
-          <a:chOff x="0" y="0"/>
-          <a:chExt cx="0" cy="0"/>
-        </a:xfrm>
-      </p:grpSpPr>
-      <p:sp>
-        <p:nvSpPr>
-          <p:cNvPr id="2" name="Title 1">
-            <a:extLst>
-              <a:ext uri="{FF2B5EF4-FFF2-40B4-BE49-F238E27FC236}">
-                <a16:creationId xmlns:a16="http://schemas.microsoft.com/office/drawing/2014/main" id="{1F5BB459-0D5E-2946-8405-CAB2416926B4}"/>
-              </a:ext>
-            </a:extLst>
-          </p:cNvPr>
-          <p:cNvSpPr>
-            <a:spLocks noGrp="1"/>
-          </p:cNvSpPr>
-          <p:nvPr>
-            <p:ph type="title"/>
-          </p:nvPr>
-        </p:nvSpPr>
-        <p:spPr>
-          <a:xfrm>
-            <a:off x="838200" y="365126"/>
-            <a:ext cx="10515600" cy="749300"/>
-          </a:xfrm>
-        </p:spPr>
-        <p:txBody>
-          <a:bodyPr/>
-          <a:lstStyle/>
-          <a:p>
-            <a:r>
-              <a:rPr lang="en-US" dirty="0"/>
-              <a:t>Screen mockups – Week view</a:t>
-            </a:r>
-          </a:p>
-        </p:txBody>
-      </p:sp>
-      <p:pic>
-        <p:nvPicPr>
-          <p:cNvPr id="3074" name="Picture 2" descr="https://lh3.googleusercontent.com/cTK_Ifsr-q4WXJkzuf47cA9fksRLApdUulfZj1Ea3eozNfLMqO-3A6HZIp-3fodspausI1t_xRwrcEUO3cLi09bZfKzlFe72uNrKOZTNP5lx5WvbLWAeInqEil21yfksBOF8sBte">
-            <a:extLst>
-              <a:ext uri="{FF2B5EF4-FFF2-40B4-BE49-F238E27FC236}">
-                <a16:creationId xmlns:a16="http://schemas.microsoft.com/office/drawing/2014/main" id="{2497A1D4-C660-B847-9488-CA9570CC4F17}"/>
-              </a:ext>
-            </a:extLst>
-          </p:cNvPr>
-          <p:cNvPicPr>
-            <a:picLocks noGrp="1" noChangeAspect="1" noChangeArrowheads="1"/>
-          </p:cNvPicPr>
-          <p:nvPr>
-            <p:ph idx="1"/>
-          </p:nvPr>
-        </p:nvPicPr>
-        <p:blipFill>
-          <a:blip r:embed="rId2">
-            <a:extLst>
-              <a:ext uri="{28A0092B-C50C-407E-A947-70E740481C1C}">
-                <a14:useLocalDpi xmlns:a14="http://schemas.microsoft.com/office/drawing/2010/main" val="0"/>
-              </a:ext>
-            </a:extLst>
-          </a:blip>
-          <a:srcRect/>
-          <a:stretch>
-            <a:fillRect/>
-          </a:stretch>
-        </p:blipFill>
-        <p:spPr bwMode="auto">
-          <a:xfrm>
-            <a:off x="838199" y="1314450"/>
-            <a:ext cx="10515599" cy="4862513"/>
-          </a:xfrm>
-          <a:prstGeom prst="rect">
-            <a:avLst/>
-          </a:prstGeom>
-          <a:noFill/>
-          <a:extLst>
-            <a:ext uri="{909E8E84-426E-40DD-AFC4-6F175D3DCCD1}">
-              <a14:hiddenFill xmlns:a14="http://schemas.microsoft.com/office/drawing/2010/main">
-                <a:solidFill>
-                  <a:srgbClr val="FFFFFF"/>
-                </a:solidFill>
-              </a14:hiddenFill>
-            </a:ext>
-          </a:extLst>
-        </p:spPr>
-      </p:pic>
-    </p:spTree>
-    <p:extLst>
-      <p:ext uri="{BB962C8B-B14F-4D97-AF65-F5344CB8AC3E}">
-        <p14:creationId xmlns:p14="http://schemas.microsoft.com/office/powerpoint/2010/main" val="4060556333"/>
-      </p:ext>
-    </p:extLst>
-  </p:cSld>
-  <p:clrMapOvr>
-    <a:masterClrMapping/>
-  </p:clrMapOvr>
-</p:sld>
-</file>
-
-<file path=ppt/slides/slide7.xml><?xml version="1.0" encoding="utf-8"?>
-<p:sld xmlns:a="http://schemas.openxmlformats.org/drawingml/2006/main" xmlns:r="http://schemas.openxmlformats.org/officeDocument/2006/relationships" xmlns:p="http://schemas.openxmlformats.org/presentationml/2006/main">
-  <p:cSld>
-    <p:spTree>
-      <p:nvGrpSpPr>
-        <p:cNvPr id="1" name=""/>
-        <p:cNvGrpSpPr/>
-        <p:nvPr/>
-      </p:nvGrpSpPr>
-      <p:grpSpPr>
-        <a:xfrm>
-          <a:off x="0" y="0"/>
-          <a:ext cx="0" cy="0"/>
-          <a:chOff x="0" y="0"/>
-          <a:chExt cx="0" cy="0"/>
-        </a:xfrm>
-      </p:grpSpPr>
-      <p:sp>
-        <p:nvSpPr>
-          <p:cNvPr id="2" name="Title 1">
-            <a:extLst>
-              <a:ext uri="{FF2B5EF4-FFF2-40B4-BE49-F238E27FC236}">
-                <a16:creationId xmlns:a16="http://schemas.microsoft.com/office/drawing/2014/main" id="{A5DD0F3D-F309-364F-99F0-794C9A8AA4E5}"/>
-              </a:ext>
-            </a:extLst>
-          </p:cNvPr>
-          <p:cNvSpPr>
-            <a:spLocks noGrp="1"/>
-          </p:cNvSpPr>
-          <p:nvPr>
-            <p:ph type="title"/>
-          </p:nvPr>
-        </p:nvSpPr>
-        <p:spPr>
-          <a:xfrm>
-            <a:off x="838200" y="365125"/>
-            <a:ext cx="10515600" cy="892175"/>
-          </a:xfrm>
-        </p:spPr>
-        <p:txBody>
-          <a:bodyPr/>
-          <a:lstStyle/>
-          <a:p>
-            <a:r>
-              <a:rPr lang="en-US" dirty="0"/>
-              <a:t>Screen mockups – Task view</a:t>
-            </a:r>
-          </a:p>
-        </p:txBody>
-      </p:sp>
-      <p:pic>
-        <p:nvPicPr>
-          <p:cNvPr id="4098" name="Picture 2" descr="https://lh3.googleusercontent.com/Q-ultYczFVOH7nzJy-aKqottCRhSsiFsAEyvOSz6aJCbzjJOlQjsydpjceNg3vTFnHQ6IeRWAXq91Rb0LPOq2e_6R-w29PJbAUCMzY9695dtu8P6cbbehlLyxmAQwoHaxL842pI3">
-            <a:extLst>
-              <a:ext uri="{FF2B5EF4-FFF2-40B4-BE49-F238E27FC236}">
-                <a16:creationId xmlns:a16="http://schemas.microsoft.com/office/drawing/2014/main" id="{A5B2A19E-F318-124D-B517-FF664DB5DDE2}"/>
-              </a:ext>
-            </a:extLst>
-          </p:cNvPr>
-          <p:cNvPicPr>
-            <a:picLocks noGrp="1" noChangeAspect="1" noChangeArrowheads="1"/>
-          </p:cNvPicPr>
-          <p:nvPr>
-            <p:ph idx="1"/>
-          </p:nvPr>
-        </p:nvPicPr>
-        <p:blipFill>
-          <a:blip r:embed="rId2">
-            <a:extLst>
-              <a:ext uri="{28A0092B-C50C-407E-A947-70E740481C1C}">
-                <a14:useLocalDpi xmlns:a14="http://schemas.microsoft.com/office/drawing/2010/main" val="0"/>
-              </a:ext>
-            </a:extLst>
-          </a:blip>
-          <a:srcRect/>
-          <a:stretch>
-            <a:fillRect/>
-          </a:stretch>
-        </p:blipFill>
-        <p:spPr bwMode="auto">
-          <a:xfrm rot="16200000">
-            <a:off x="3350420" y="-1907382"/>
-            <a:ext cx="5343524" cy="11672887"/>
-          </a:xfrm>
-          <a:prstGeom prst="rect">
-            <a:avLst/>
-          </a:prstGeom>
-          <a:noFill/>
-          <a:extLst>
-            <a:ext uri="{909E8E84-426E-40DD-AFC4-6F175D3DCCD1}">
-              <a14:hiddenFill xmlns:a14="http://schemas.microsoft.com/office/drawing/2010/main">
-                <a:solidFill>
-                  <a:srgbClr val="FFFFFF"/>
-                </a:solidFill>
-              </a14:hiddenFill>
-            </a:ext>
-          </a:extLst>
-        </p:spPr>
-      </p:pic>
-    </p:spTree>
-    <p:extLst>
-      <p:ext uri="{BB962C8B-B14F-4D97-AF65-F5344CB8AC3E}">
-        <p14:creationId xmlns:p14="http://schemas.microsoft.com/office/powerpoint/2010/main" val="1648495643"/>
-      </p:ext>
-    </p:extLst>
-  </p:cSld>
-  <p:clrMapOvr>
-    <a:masterClrMapping/>
-  </p:clrMapOvr>
-</p:sld>
-</file>
-
-<file path=ppt/slides/slide8.xml><?xml version="1.0" encoding="utf-8"?>
-<p:sld xmlns:a="http://schemas.openxmlformats.org/drawingml/2006/main" xmlns:r="http://schemas.openxmlformats.org/officeDocument/2006/relationships" xmlns:p="http://schemas.openxmlformats.org/presentationml/2006/main">
-  <p:cSld>
-    <p:spTree>
-      <p:nvGrpSpPr>
-        <p:cNvPr id="1" name=""/>
-        <p:cNvGrpSpPr/>
-        <p:nvPr/>
-      </p:nvGrpSpPr>
-      <p:grpSpPr>
-        <a:xfrm>
-          <a:off x="0" y="0"/>
-          <a:ext cx="0" cy="0"/>
-          <a:chOff x="0" y="0"/>
-          <a:chExt cx="0" cy="0"/>
-        </a:xfrm>
-      </p:grpSpPr>
-      <p:sp>
-        <p:nvSpPr>
-          <p:cNvPr id="2" name="Title 1">
-            <a:extLst>
-              <a:ext uri="{FF2B5EF4-FFF2-40B4-BE49-F238E27FC236}">
-                <a16:creationId xmlns:a16="http://schemas.microsoft.com/office/drawing/2014/main" id="{31294DF9-30D3-3D4C-86F1-965ED4913D85}"/>
-              </a:ext>
-            </a:extLst>
-          </p:cNvPr>
-          <p:cNvSpPr>
-            <a:spLocks noGrp="1"/>
-          </p:cNvSpPr>
-          <p:nvPr>
-            <p:ph type="title"/>
-          </p:nvPr>
-        </p:nvSpPr>
-        <p:spPr>
-          <a:xfrm>
-            <a:off x="838200" y="365125"/>
-            <a:ext cx="10515600" cy="1020763"/>
-          </a:xfrm>
-        </p:spPr>
-        <p:txBody>
-          <a:bodyPr/>
-          <a:lstStyle/>
-          <a:p>
-            <a:r>
-              <a:rPr lang="en-US" dirty="0"/>
-              <a:t>Implemented functionality – Month view</a:t>
-            </a:r>
-          </a:p>
-        </p:txBody>
-      </p:sp>
-      <p:pic>
-        <p:nvPicPr>
-          <p:cNvPr id="5" name="Content Placeholder 4">
-            <a:extLst>
-              <a:ext uri="{FF2B5EF4-FFF2-40B4-BE49-F238E27FC236}">
-                <a16:creationId xmlns:a16="http://schemas.microsoft.com/office/drawing/2014/main" id="{AB98E74C-B977-F64E-8D6C-BB9C30C8D8CC}"/>
-              </a:ext>
-            </a:extLst>
-          </p:cNvPr>
-          <p:cNvPicPr>
-            <a:picLocks noGrp="1" noChangeAspect="1"/>
-          </p:cNvPicPr>
-          <p:nvPr>
-            <p:ph idx="1"/>
-          </p:nvPr>
-        </p:nvPicPr>
-        <p:blipFill>
-          <a:blip r:embed="rId2"/>
-          <a:stretch>
-            <a:fillRect/>
-          </a:stretch>
-        </p:blipFill>
-        <p:spPr>
-          <a:xfrm>
-            <a:off x="838200" y="1385888"/>
-            <a:ext cx="10206037" cy="4791075"/>
-          </a:xfrm>
-        </p:spPr>
-      </p:pic>
-    </p:spTree>
-    <p:extLst>
-      <p:ext uri="{BB962C8B-B14F-4D97-AF65-F5344CB8AC3E}">
-        <p14:creationId xmlns:p14="http://schemas.microsoft.com/office/powerpoint/2010/main" val="3855269034"/>
-      </p:ext>
-    </p:extLst>
-  </p:cSld>
-  <p:clrMapOvr>
-    <a:masterClrMapping/>
-  </p:clrMapOvr>
-</p:sld>
-</file>
-
-<file path=ppt/slides/slide9.xml><?xml version="1.0" encoding="utf-8"?>
-<p:sld xmlns:a="http://schemas.openxmlformats.org/drawingml/2006/main" xmlns:r="http://schemas.openxmlformats.org/officeDocument/2006/relationships" xmlns:p="http://schemas.openxmlformats.org/presentationml/2006/main">
-  <p:cSld>
-    <p:spTree>
-      <p:nvGrpSpPr>
-        <p:cNvPr id="1" name=""/>
-        <p:cNvGrpSpPr/>
-        <p:nvPr/>
-      </p:nvGrpSpPr>
-      <p:grpSpPr>
-        <a:xfrm>
-          <a:off x="0" y="0"/>
-          <a:ext cx="0" cy="0"/>
-          <a:chOff x="0" y="0"/>
-          <a:chExt cx="0" cy="0"/>
-        </a:xfrm>
-      </p:grpSpPr>
-      <p:sp>
-        <p:nvSpPr>
-          <p:cNvPr id="2" name="Title 1">
-            <a:extLst>
-              <a:ext uri="{FF2B5EF4-FFF2-40B4-BE49-F238E27FC236}">
-                <a16:creationId xmlns:a16="http://schemas.microsoft.com/office/drawing/2014/main" id="{8F87BA0C-EFEB-9F4D-AF2C-5461E49970E6}"/>
-              </a:ext>
-            </a:extLst>
-          </p:cNvPr>
-          <p:cNvSpPr>
-            <a:spLocks noGrp="1"/>
-          </p:cNvSpPr>
-          <p:nvPr>
-            <p:ph type="title"/>
-          </p:nvPr>
-        </p:nvSpPr>
-        <p:spPr>
-          <a:xfrm>
-            <a:off x="838200" y="365125"/>
-            <a:ext cx="10515600" cy="906463"/>
-          </a:xfrm>
-        </p:spPr>
-        <p:txBody>
-          <a:bodyPr/>
-          <a:lstStyle/>
-          <a:p>
-            <a:r>
-              <a:rPr lang="en-US" dirty="0"/>
-              <a:t>Implemented functionality – Task view</a:t>
-            </a:r>
-          </a:p>
-        </p:txBody>
-      </p:sp>
-      <p:pic>
-        <p:nvPicPr>
-          <p:cNvPr id="5" name="Content Placeholder 4">
-            <a:extLst>
-              <a:ext uri="{FF2B5EF4-FFF2-40B4-BE49-F238E27FC236}">
-                <a16:creationId xmlns:a16="http://schemas.microsoft.com/office/drawing/2014/main" id="{73C16B40-52CF-4849-A657-74C3154A68B8}"/>
-              </a:ext>
-            </a:extLst>
-          </p:cNvPr>
-          <p:cNvPicPr>
-            <a:picLocks noGrp="1" noChangeAspect="1"/>
-          </p:cNvPicPr>
-          <p:nvPr>
-            <p:ph idx="1"/>
-          </p:nvPr>
-        </p:nvPicPr>
-        <p:blipFill>
-          <a:blip r:embed="rId2"/>
-          <a:stretch>
-            <a:fillRect/>
-          </a:stretch>
-        </p:blipFill>
-        <p:spPr>
-          <a:xfrm>
-            <a:off x="1285875" y="1157288"/>
-            <a:ext cx="9172575" cy="5019675"/>
-          </a:xfrm>
-        </p:spPr>
-      </p:pic>
-    </p:spTree>
-    <p:extLst>
-      <p:ext uri="{BB962C8B-B14F-4D97-AF65-F5344CB8AC3E}">
-        <p14:creationId xmlns:p14="http://schemas.microsoft.com/office/powerpoint/2010/main" val="597313932"/>
       </p:ext>
     </p:extLst>
   </p:cSld>
